--- a/유스케이프명세표_경효선.pptx
+++ b/유스케이프명세표_경효선.pptx
@@ -104,6 +104,11 @@
       </a:defRPr>
     </a:lvl9pPr>
   </p:defaultTextStyle>
+  <p:extLst>
+    <p:ext uri="{EFAFB233-063F-42B5-8137-9DF3F51BA10A}">
+      <p15:sldGuideLst xmlns:p15="http://schemas.microsoft.com/office/powerpoint/2012/main"/>
+    </p:ext>
+  </p:extLst>
 </p:presentation>
 </file>
 
@@ -2973,14 +2978,14 @@
           <p:nvPr>
             <p:extLst>
               <p:ext uri="{D42A27DB-BD31-4B8C-83A1-F6EECF244321}">
-                <p14:modId xmlns:p14="http://schemas.microsoft.com/office/powerpoint/2010/main" val="3984573372"/>
+                <p14:modId xmlns:p14="http://schemas.microsoft.com/office/powerpoint/2010/main" val="3399659361"/>
               </p:ext>
             </p:extLst>
           </p:nvPr>
         </p:nvGraphicFramePr>
         <p:xfrm>
           <a:off x="1030779" y="1933323"/>
-          <a:ext cx="10025148" cy="3840480"/>
+          <a:ext cx="10025148" cy="4206240"/>
         </p:xfrm>
         <a:graphic>
           <a:graphicData uri="http://schemas.openxmlformats.org/drawingml/2006/table">
@@ -3613,17 +3618,51 @@
                       </a:r>
                       <a:r>
                         <a:rPr lang="ko-KR" altLang="en-US" sz="1200" dirty="0" smtClean="0"/>
-                        <a:t>검색한 상품을 클릭 후 결재를 진행시킨</a:t>
+                        <a:t>검색한 상품을 클릭 </a:t>
+                      </a:r>
+                      <a:r>
+                        <a:rPr lang="ko-KR" altLang="en-US" sz="1200" dirty="0" smtClean="0"/>
+                        <a:t>한다</a:t>
+                      </a:r>
+                      <a:r>
+                        <a:rPr lang="en-US" altLang="ko-KR" sz="1200" dirty="0" smtClean="0"/>
+                        <a:t>.</a:t>
+                      </a:r>
+                    </a:p>
+                    <a:p>
+                      <a:pPr algn="l" latinLnBrk="1"/>
+                      <a:r>
+                        <a:rPr lang="en-US" altLang="ko-KR" sz="1200" dirty="0" smtClean="0"/>
+                        <a:t>5</a:t>
+                      </a:r>
+                      <a:r>
+                        <a:rPr lang="en-US" altLang="ko-KR" sz="1200" baseline="0" dirty="0" smtClean="0"/>
+                        <a:t> – </a:t>
                       </a:r>
                       <a:r>
                         <a:rPr lang="ko-KR" altLang="en-US" sz="1200" baseline="0" dirty="0" smtClean="0"/>
-                        <a:t> 후 고객정보를 기재한다</a:t>
+                        <a:t>구매 진행을 위해 결재하기 클릭한다</a:t>
                       </a:r>
                       <a:r>
                         <a:rPr lang="en-US" altLang="ko-KR" sz="1200" baseline="0" dirty="0" smtClean="0"/>
                         <a:t>.</a:t>
                       </a:r>
-                      <a:endParaRPr lang="ko-KR" altLang="en-US" sz="1200" dirty="0"/>
+                    </a:p>
+                    <a:p>
+                      <a:pPr algn="l" latinLnBrk="1"/>
+                      <a:r>
+                        <a:rPr lang="en-US" altLang="ko-KR" sz="1200" baseline="0" dirty="0" smtClean="0"/>
+                        <a:t>7 – </a:t>
+                      </a:r>
+                      <a:r>
+                        <a:rPr lang="ko-KR" altLang="en-US" sz="1200" baseline="0" dirty="0" smtClean="0"/>
+                        <a:t>결재페이지에서 고객정보를 기입 후 최종 결재하기를 클릭한다</a:t>
+                      </a:r>
+                      <a:r>
+                        <a:rPr lang="en-US" altLang="ko-KR" sz="1200" baseline="0" dirty="0" smtClean="0"/>
+                        <a:t>.</a:t>
+                      </a:r>
+                      <a:endParaRPr lang="en-US" altLang="ko-KR" sz="1200" dirty="0" smtClean="0"/>
                     </a:p>
                   </a:txBody>
                   <a:tcPr anchor="ctr">
@@ -3661,14 +3700,40 @@
                       </a:r>
                       <a:r>
                         <a:rPr lang="ko-KR" altLang="en-US" sz="1200" dirty="0" smtClean="0"/>
-                        <a:t>결재 페이지로 이동해 고객정보를 확인 후</a:t>
-                      </a:r>
-                      <a:r>
-                        <a:rPr lang="ko-KR" altLang="en-US" sz="1200" baseline="0" dirty="0" smtClean="0"/>
-                        <a:t> 상품 결재를 완료 시킨다</a:t>
-                      </a:r>
-                      <a:r>
-                        <a:rPr lang="en-US" altLang="ko-KR" sz="1200" baseline="0" dirty="0" smtClean="0"/>
+                        <a:t>구매를 결정한 상품을 노출시킨다</a:t>
+                      </a:r>
+                      <a:r>
+                        <a:rPr lang="en-US" altLang="ko-KR" sz="1200" dirty="0" smtClean="0"/>
+                        <a:t>.</a:t>
+                      </a:r>
+                    </a:p>
+                    <a:p>
+                      <a:pPr algn="l" latinLnBrk="1"/>
+                      <a:r>
+                        <a:rPr lang="en-US" altLang="ko-KR" sz="1200" dirty="0" smtClean="0"/>
+                        <a:t>6 – </a:t>
+                      </a:r>
+                      <a:r>
+                        <a:rPr lang="ko-KR" altLang="en-US" sz="1200" dirty="0" smtClean="0"/>
+                        <a:t>결재 창을 노출시킨다</a:t>
+                      </a:r>
+                      <a:r>
+                        <a:rPr lang="en-US" altLang="ko-KR" sz="1200" dirty="0" smtClean="0"/>
+                        <a:t>.</a:t>
+                      </a:r>
+                    </a:p>
+                    <a:p>
+                      <a:pPr algn="l" latinLnBrk="1"/>
+                      <a:r>
+                        <a:rPr lang="en-US" altLang="ko-KR" sz="1200" dirty="0" smtClean="0"/>
+                        <a:t>8 – </a:t>
+                      </a:r>
+                      <a:r>
+                        <a:rPr lang="ko-KR" altLang="en-US" sz="1200" dirty="0" smtClean="0"/>
+                        <a:t>결재를 완료 시킨다</a:t>
+                      </a:r>
+                      <a:r>
+                        <a:rPr lang="en-US" altLang="ko-KR" sz="1200" dirty="0" smtClean="0"/>
                         <a:t>.</a:t>
                       </a:r>
                       <a:endParaRPr lang="ko-KR" altLang="en-US" sz="1200" dirty="0"/>
@@ -3748,12 +3813,12 @@
                         <a:t> 미 노출 시 </a:t>
                       </a:r>
                       <a:r>
-                        <a:rPr lang="ko-KR" altLang="en-US" sz="1200" baseline="0" dirty="0" err="1" smtClean="0"/>
-                        <a:t>연관상품을</a:t>
-                      </a:r>
-                      <a:r>
                         <a:rPr lang="ko-KR" altLang="en-US" sz="1200" baseline="0" dirty="0" smtClean="0"/>
-                        <a:t> 노출시키고</a:t>
+                        <a:t>연관 상품을 </a:t>
+                      </a:r>
+                      <a:r>
+                        <a:rPr lang="ko-KR" altLang="en-US" sz="1200" baseline="0" dirty="0" smtClean="0"/>
+                        <a:t>노출시키고</a:t>
                       </a:r>
                       <a:r>
                         <a:rPr lang="en-US" altLang="ko-KR" sz="1200" baseline="0" dirty="0" smtClean="0"/>
